--- a/EDTEch.pptx
+++ b/EDTEch.pptx
@@ -5,83 +5,84 @@
     <p:sldMasterId id="2147483668" r:id="rId1"/>
   </p:sldMasterIdLst>
   <p:notesMasterIdLst>
-    <p:notesMasterId r:id="rId18"/>
+    <p:notesMasterId r:id="rId19"/>
   </p:notesMasterIdLst>
   <p:sldIdLst>
     <p:sldId id="256" r:id="rId2"/>
     <p:sldId id="257" r:id="rId3"/>
     <p:sldId id="258" r:id="rId4"/>
     <p:sldId id="259" r:id="rId5"/>
-    <p:sldId id="260" r:id="rId6"/>
-    <p:sldId id="261" r:id="rId7"/>
-    <p:sldId id="262" r:id="rId8"/>
-    <p:sldId id="263" r:id="rId9"/>
-    <p:sldId id="264" r:id="rId10"/>
-    <p:sldId id="265" r:id="rId11"/>
-    <p:sldId id="266" r:id="rId12"/>
-    <p:sldId id="267" r:id="rId13"/>
-    <p:sldId id="268" r:id="rId14"/>
-    <p:sldId id="269" r:id="rId15"/>
-    <p:sldId id="277" r:id="rId16"/>
-    <p:sldId id="276" r:id="rId17"/>
+    <p:sldId id="278" r:id="rId6"/>
+    <p:sldId id="260" r:id="rId7"/>
+    <p:sldId id="261" r:id="rId8"/>
+    <p:sldId id="262" r:id="rId9"/>
+    <p:sldId id="263" r:id="rId10"/>
+    <p:sldId id="264" r:id="rId11"/>
+    <p:sldId id="265" r:id="rId12"/>
+    <p:sldId id="266" r:id="rId13"/>
+    <p:sldId id="267" r:id="rId14"/>
+    <p:sldId id="268" r:id="rId15"/>
+    <p:sldId id="269" r:id="rId16"/>
+    <p:sldId id="277" r:id="rId17"/>
+    <p:sldId id="276" r:id="rId18"/>
   </p:sldIdLst>
   <p:sldSz cx="9144000" cy="5143500" type="screen16x9"/>
   <p:notesSz cx="6858000" cy="9144000"/>
   <p:embeddedFontLst>
     <p:embeddedFont>
       <p:font typeface="Catamaran" charset="0"/>
-      <p:regular r:id="rId19"/>
-      <p:bold r:id="rId20"/>
+      <p:regular r:id="rId20"/>
+      <p:bold r:id="rId21"/>
     </p:embeddedFont>
     <p:embeddedFont>
       <p:font typeface="Calibri" pitchFamily="34" charset="0"/>
-      <p:regular r:id="rId21"/>
-      <p:bold r:id="rId22"/>
-      <p:italic r:id="rId23"/>
-      <p:boldItalic r:id="rId24"/>
+      <p:regular r:id="rId22"/>
+      <p:bold r:id="rId23"/>
+      <p:italic r:id="rId24"/>
+      <p:boldItalic r:id="rId25"/>
     </p:embeddedFont>
     <p:embeddedFont>
       <p:font typeface="Lexend Deca" charset="0"/>
-      <p:regular r:id="rId25"/>
+      <p:regular r:id="rId26"/>
     </p:embeddedFont>
     <p:embeddedFont>
       <p:font typeface="Wingdings 2" pitchFamily="18" charset="2"/>
-      <p:regular r:id="rId26"/>
+      <p:regular r:id="rId27"/>
+    </p:embeddedFont>
+    <p:embeddedFont>
+      <p:font typeface="Constantia" pitchFamily="18" charset="0"/>
+      <p:regular r:id="rId28"/>
+      <p:bold r:id="rId29"/>
+      <p:italic r:id="rId30"/>
+      <p:boldItalic r:id="rId31"/>
     </p:embeddedFont>
     <p:embeddedFont>
       <p:font typeface="Chivo" charset="0"/>
-      <p:regular r:id="rId27"/>
-      <p:bold r:id="rId28"/>
-      <p:italic r:id="rId29"/>
-      <p:boldItalic r:id="rId30"/>
-    </p:embeddedFont>
-    <p:embeddedFont>
-      <p:font typeface="Constantia" pitchFamily="18" charset="0"/>
-      <p:regular r:id="rId31"/>
-      <p:bold r:id="rId32"/>
-      <p:italic r:id="rId33"/>
-      <p:boldItalic r:id="rId34"/>
+      <p:regular r:id="rId32"/>
+      <p:bold r:id="rId33"/>
+      <p:italic r:id="rId34"/>
+      <p:boldItalic r:id="rId35"/>
     </p:embeddedFont>
     <p:embeddedFont>
       <p:font typeface="Chivo Light" charset="0"/>
-      <p:regular r:id="rId35"/>
-      <p:bold r:id="rId36"/>
-      <p:italic r:id="rId37"/>
-      <p:boldItalic r:id="rId38"/>
+      <p:regular r:id="rId36"/>
+      <p:bold r:id="rId37"/>
+      <p:italic r:id="rId38"/>
+      <p:boldItalic r:id="rId39"/>
     </p:embeddedFont>
     <p:embeddedFont>
       <p:font typeface="Fira Sans Condensed Medium" charset="0"/>
-      <p:regular r:id="rId39"/>
-      <p:bold r:id="rId40"/>
-      <p:italic r:id="rId41"/>
-      <p:boldItalic r:id="rId42"/>
+      <p:regular r:id="rId40"/>
+      <p:bold r:id="rId41"/>
+      <p:italic r:id="rId42"/>
+      <p:boldItalic r:id="rId43"/>
     </p:embeddedFont>
     <p:embeddedFont>
       <p:font typeface="Fira Sans Extra Condensed Medium" charset="0"/>
-      <p:regular r:id="rId43"/>
-      <p:bold r:id="rId44"/>
-      <p:italic r:id="rId45"/>
-      <p:boldItalic r:id="rId46"/>
+      <p:regular r:id="rId44"/>
+      <p:bold r:id="rId45"/>
+      <p:italic r:id="rId46"/>
+      <p:boldItalic r:id="rId47"/>
     </p:embeddedFont>
   </p:embeddedFontLst>
   <p:defaultTextStyle>
@@ -2491,7 +2492,7 @@
             <a:fld id="{47C9B81F-C347-4BEF-BFDF-29C42F48304A}" type="datetimeFigureOut">
               <a:rPr lang="en-US" smtClean="0"/>
               <a:pPr/>
-              <a:t>8/12/2020</a:t>
+              <a:t>8/16/2020</a:t>
             </a:fld>
             <a:endParaRPr lang="en-US"/>
           </a:p>
@@ -2659,7 +2660,7 @@
             <a:fld id="{47C9B81F-C347-4BEF-BFDF-29C42F48304A}" type="datetimeFigureOut">
               <a:rPr lang="en-US" smtClean="0"/>
               <a:pPr/>
-              <a:t>8/12/2020</a:t>
+              <a:t>8/16/2020</a:t>
             </a:fld>
             <a:endParaRPr lang="en-US"/>
           </a:p>
@@ -2837,7 +2838,7 @@
             <a:fld id="{47C9B81F-C347-4BEF-BFDF-29C42F48304A}" type="datetimeFigureOut">
               <a:rPr lang="en-US" smtClean="0"/>
               <a:pPr/>
-              <a:t>8/12/2020</a:t>
+              <a:t>8/16/2020</a:t>
             </a:fld>
             <a:endParaRPr lang="en-US"/>
           </a:p>
@@ -12321,7 +12322,7 @@
             <a:fld id="{47C9B81F-C347-4BEF-BFDF-29C42F48304A}" type="datetimeFigureOut">
               <a:rPr lang="en-US" smtClean="0"/>
               <a:pPr/>
-              <a:t>8/12/2020</a:t>
+              <a:t>8/16/2020</a:t>
             </a:fld>
             <a:endParaRPr lang="en-US"/>
           </a:p>
@@ -12566,7 +12567,7 @@
             <a:fld id="{47C9B81F-C347-4BEF-BFDF-29C42F48304A}" type="datetimeFigureOut">
               <a:rPr lang="en-US" smtClean="0"/>
               <a:pPr/>
-              <a:t>8/12/2020</a:t>
+              <a:t>8/16/2020</a:t>
             </a:fld>
             <a:endParaRPr lang="en-US"/>
           </a:p>
@@ -12833,7 +12834,7 @@
             <a:fld id="{47C9B81F-C347-4BEF-BFDF-29C42F48304A}" type="datetimeFigureOut">
               <a:rPr lang="en-US" smtClean="0"/>
               <a:pPr/>
-              <a:t>8/12/2020</a:t>
+              <a:t>8/16/2020</a:t>
             </a:fld>
             <a:endParaRPr lang="en-US"/>
           </a:p>
@@ -13214,7 +13215,7 @@
             <a:fld id="{47C9B81F-C347-4BEF-BFDF-29C42F48304A}" type="datetimeFigureOut">
               <a:rPr lang="en-US" smtClean="0"/>
               <a:pPr/>
-              <a:t>8/12/2020</a:t>
+              <a:t>8/16/2020</a:t>
             </a:fld>
             <a:endParaRPr lang="en-US"/>
           </a:p>
@@ -13367,7 +13368,7 @@
             <a:fld id="{47C9B81F-C347-4BEF-BFDF-29C42F48304A}" type="datetimeFigureOut">
               <a:rPr lang="en-US" smtClean="0"/>
               <a:pPr/>
-              <a:t>8/12/2020</a:t>
+              <a:t>8/16/2020</a:t>
             </a:fld>
             <a:endParaRPr lang="en-US"/>
           </a:p>
@@ -13460,7 +13461,7 @@
             <a:fld id="{47C9B81F-C347-4BEF-BFDF-29C42F48304A}" type="datetimeFigureOut">
               <a:rPr lang="en-US" smtClean="0"/>
               <a:pPr/>
-              <a:t>8/12/2020</a:t>
+              <a:t>8/16/2020</a:t>
             </a:fld>
             <a:endParaRPr lang="en-US"/>
           </a:p>
@@ -13723,7 +13724,7 @@
             <a:fld id="{47C9B81F-C347-4BEF-BFDF-29C42F48304A}" type="datetimeFigureOut">
               <a:rPr lang="en-US" smtClean="0"/>
               <a:pPr/>
-              <a:t>8/12/2020</a:t>
+              <a:t>8/16/2020</a:t>
             </a:fld>
             <a:endParaRPr lang="en-US"/>
           </a:p>
@@ -14014,7 +14015,7 @@
             <a:fld id="{47C9B81F-C347-4BEF-BFDF-29C42F48304A}" type="datetimeFigureOut">
               <a:rPr lang="en-US" smtClean="0"/>
               <a:pPr/>
-              <a:t>8/12/2020</a:t>
+              <a:t>8/16/2020</a:t>
             </a:fld>
             <a:endParaRPr lang="en-US"/>
           </a:p>
@@ -14788,7 +14789,7 @@
             <a:fld id="{47C9B81F-C347-4BEF-BFDF-29C42F48304A}" type="datetimeFigureOut">
               <a:rPr lang="en-US" smtClean="0"/>
               <a:pPr/>
-              <a:t>8/12/2020</a:t>
+              <a:t>8/16/2020</a:t>
             </a:fld>
             <a:endParaRPr lang="en-US" dirty="0">
               <a:solidFill>
@@ -15525,6 +15526,155 @@
   <p:cSld>
     <p:spTree>
       <p:nvGrpSpPr>
+        <p:cNvPr id="1" name="Shape 1108"/>
+        <p:cNvGrpSpPr/>
+        <p:nvPr/>
+      </p:nvGrpSpPr>
+      <p:grpSpPr>
+        <a:xfrm>
+          <a:off x="0" y="0"/>
+          <a:ext cx="0" cy="0"/>
+          <a:chOff x="0" y="0"/>
+          <a:chExt cx="0" cy="0"/>
+        </a:xfrm>
+      </p:grpSpPr>
+      <p:sp>
+        <p:nvSpPr>
+          <p:cNvPr id="1109" name="Google Shape;1109;p29"/>
+          <p:cNvSpPr txBox="1">
+            <a:spLocks noGrp="1"/>
+          </p:cNvSpPr>
+          <p:nvPr>
+            <p:ph type="ctrTitle"/>
+          </p:nvPr>
+        </p:nvSpPr>
+        <p:spPr>
+          <a:prstGeom prst="rect">
+            <a:avLst/>
+          </a:prstGeom>
+        </p:spPr>
+        <p:txBody>
+          <a:bodyPr spcFirstLastPara="1" wrap="square" lIns="91425" tIns="91425" rIns="91425" bIns="91425" anchor="b" anchorCtr="0">
+            <a:noAutofit/>
+          </a:bodyPr>
+          <a:lstStyle/>
+          <a:p>
+            <a:pPr marL="0" lvl="0" indent="0" algn="l" rtl="0">
+              <a:spcBef>
+                <a:spcPts val="0"/>
+              </a:spcBef>
+              <a:spcAft>
+                <a:spcPts val="0"/>
+              </a:spcAft>
+              <a:buNone/>
+            </a:pPr>
+            <a:r>
+              <a:rPr lang="en"/>
+              <a:t>Working</a:t>
+            </a:r>
+            <a:endParaRPr/>
+          </a:p>
+        </p:txBody>
+      </p:sp>
+      <p:sp>
+        <p:nvSpPr>
+          <p:cNvPr id="1110" name="Google Shape;1110;p29"/>
+          <p:cNvSpPr txBox="1">
+            <a:spLocks noGrp="1"/>
+          </p:cNvSpPr>
+          <p:nvPr>
+            <p:ph type="subTitle" idx="1"/>
+          </p:nvPr>
+        </p:nvSpPr>
+        <p:spPr>
+          <a:prstGeom prst="rect">
+            <a:avLst/>
+          </a:prstGeom>
+        </p:spPr>
+        <p:txBody>
+          <a:bodyPr spcFirstLastPara="1" wrap="square" lIns="91425" tIns="91425" rIns="91425" bIns="91425" anchor="t" anchorCtr="0">
+            <a:noAutofit/>
+          </a:bodyPr>
+          <a:lstStyle/>
+          <a:p>
+            <a:pPr marL="0" lvl="0" indent="0" algn="l" rtl="0">
+              <a:spcBef>
+                <a:spcPts val="0"/>
+              </a:spcBef>
+              <a:spcAft>
+                <a:spcPts val="0"/>
+              </a:spcAft>
+              <a:buNone/>
+            </a:pPr>
+            <a:r>
+              <a:rPr lang="en">
+                <a:latin typeface="Lexend Deca"/>
+                <a:ea typeface="Lexend Deca"/>
+                <a:cs typeface="Lexend Deca"/>
+                <a:sym typeface="Lexend Deca"/>
+              </a:rPr>
+              <a:t>Sneak peek to behind the scenes</a:t>
+            </a:r>
+            <a:endParaRPr>
+              <a:latin typeface="Lexend Deca"/>
+              <a:ea typeface="Lexend Deca"/>
+              <a:cs typeface="Lexend Deca"/>
+              <a:sym typeface="Lexend Deca"/>
+            </a:endParaRPr>
+          </a:p>
+        </p:txBody>
+      </p:sp>
+      <p:sp>
+        <p:nvSpPr>
+          <p:cNvPr id="1111" name="Google Shape;1111;p29"/>
+          <p:cNvSpPr txBox="1">
+            <a:spLocks noGrp="1"/>
+          </p:cNvSpPr>
+          <p:nvPr>
+            <p:ph type="title" idx="2"/>
+          </p:nvPr>
+        </p:nvSpPr>
+        <p:spPr>
+          <a:prstGeom prst="rect">
+            <a:avLst/>
+          </a:prstGeom>
+        </p:spPr>
+        <p:txBody>
+          <a:bodyPr spcFirstLastPara="1" wrap="square" lIns="91425" tIns="91425" rIns="91425" bIns="91425" anchor="ctr" anchorCtr="0">
+            <a:noAutofit/>
+          </a:bodyPr>
+          <a:lstStyle/>
+          <a:p>
+            <a:pPr marL="0" lvl="0" indent="0" algn="l" rtl="0">
+              <a:spcBef>
+                <a:spcPts val="0"/>
+              </a:spcBef>
+              <a:spcAft>
+                <a:spcPts val="0"/>
+              </a:spcAft>
+              <a:buNone/>
+            </a:pPr>
+            <a:r>
+              <a:rPr lang="en"/>
+              <a:t>03</a:t>
+            </a:r>
+            <a:endParaRPr/>
+          </a:p>
+        </p:txBody>
+      </p:sp>
+    </p:spTree>
+  </p:cSld>
+  <p:clrMapOvr>
+    <a:masterClrMapping/>
+  </p:clrMapOvr>
+</p:sld>
+</file>
+
+<file path=ppt/slides/slide11.xml><?xml version="1.0" encoding="utf-8"?>
+<p:sld xmlns:a="http://schemas.openxmlformats.org/drawingml/2006/main" xmlns:r="http://schemas.openxmlformats.org/officeDocument/2006/relationships" xmlns:p="http://schemas.openxmlformats.org/presentationml/2006/main">
+  <p:cSld>
+    <p:spTree>
+      <p:nvGrpSpPr>
         <p:cNvPr id="1" name="Shape 1140"/>
         <p:cNvGrpSpPr/>
         <p:nvPr/>
@@ -15943,7 +16093,7 @@
 </p:sld>
 </file>
 
-<file path=ppt/slides/slide11.xml><?xml version="1.0" encoding="utf-8"?>
+<file path=ppt/slides/slide12.xml><?xml version="1.0" encoding="utf-8"?>
 <p:sld xmlns:a="http://schemas.openxmlformats.org/drawingml/2006/main" xmlns:r="http://schemas.openxmlformats.org/officeDocument/2006/relationships" xmlns:p="http://schemas.openxmlformats.org/presentationml/2006/main">
   <p:cSld>
     <p:spTree>
@@ -16670,7 +16820,7 @@
 </p:sld>
 </file>
 
-<file path=ppt/slides/slide12.xml><?xml version="1.0" encoding="utf-8"?>
+<file path=ppt/slides/slide13.xml><?xml version="1.0" encoding="utf-8"?>
 <p:sld xmlns:a="http://schemas.openxmlformats.org/drawingml/2006/main" xmlns:r="http://schemas.openxmlformats.org/officeDocument/2006/relationships" xmlns:p="http://schemas.openxmlformats.org/presentationml/2006/main">
   <p:cSld>
     <p:spTree>
@@ -16950,7 +17100,7 @@
 </p:sld>
 </file>
 
-<file path=ppt/slides/slide13.xml><?xml version="1.0" encoding="utf-8"?>
+<file path=ppt/slides/slide14.xml><?xml version="1.0" encoding="utf-8"?>
 <p:sld xmlns:a="http://schemas.openxmlformats.org/drawingml/2006/main" xmlns:r="http://schemas.openxmlformats.org/officeDocument/2006/relationships" xmlns:p="http://schemas.openxmlformats.org/presentationml/2006/main">
   <p:cSld>
     <p:spTree>
@@ -17094,7 +17244,7 @@
 </p:sld>
 </file>
 
-<file path=ppt/slides/slide14.xml><?xml version="1.0" encoding="utf-8"?>
+<file path=ppt/slides/slide15.xml><?xml version="1.0" encoding="utf-8"?>
 <p:sld xmlns:a="http://schemas.openxmlformats.org/drawingml/2006/main" xmlns:r="http://schemas.openxmlformats.org/officeDocument/2006/relationships" xmlns:p="http://schemas.openxmlformats.org/presentationml/2006/main">
   <p:cSld>
     <p:spTree>
@@ -21253,7 +21403,7 @@
 </p:sld>
 </file>
 
-<file path=ppt/slides/slide15.xml><?xml version="1.0" encoding="utf-8"?>
+<file path=ppt/slides/slide16.xml><?xml version="1.0" encoding="utf-8"?>
 <p:sld xmlns:a="http://schemas.openxmlformats.org/drawingml/2006/main" xmlns:r="http://schemas.openxmlformats.org/officeDocument/2006/relationships" xmlns:p="http://schemas.openxmlformats.org/presentationml/2006/main">
   <p:cSld>
     <p:spTree>
@@ -21314,11 +21464,7 @@
             </a:pPr>
             <a:r>
               <a:rPr lang="en-US" dirty="0" smtClean="0"/>
-              <a:t>Fully </a:t>
-            </a:r>
-            <a:r>
-              <a:rPr lang="en-US" dirty="0" smtClean="0"/>
-              <a:t>Automatic</a:t>
+              <a:t>Fully Automatic</a:t>
             </a:r>
           </a:p>
           <a:p>
@@ -21335,11 +21481,7 @@
             </a:pPr>
             <a:r>
               <a:rPr lang="en-US" dirty="0" smtClean="0"/>
-              <a:t>Enhance Creativity &amp; </a:t>
-            </a:r>
-            <a:r>
-              <a:rPr lang="en-US" dirty="0" smtClean="0"/>
-              <a:t>Visualization</a:t>
+              <a:t>Enhance Creativity &amp; Visualization</a:t>
             </a:r>
           </a:p>
           <a:p>
@@ -21356,15 +21498,7 @@
             </a:pPr>
             <a:r>
               <a:rPr lang="en-US" dirty="0" smtClean="0"/>
-              <a:t>Improve </a:t>
-            </a:r>
-            <a:r>
-              <a:rPr lang="en-US" dirty="0" smtClean="0"/>
-              <a:t>Student-Teacher </a:t>
-            </a:r>
-            <a:r>
-              <a:rPr lang="en-US" dirty="0" smtClean="0"/>
-              <a:t>Collaboration</a:t>
+              <a:t>Improve Student-Teacher Collaboration</a:t>
             </a:r>
           </a:p>
           <a:p>
@@ -21381,11 +21515,7 @@
             </a:pPr>
             <a:r>
               <a:rPr lang="en-US" dirty="0" smtClean="0"/>
-              <a:t>Incessant </a:t>
-            </a:r>
-            <a:r>
-              <a:rPr lang="en-US" dirty="0" smtClean="0"/>
-              <a:t>Learning</a:t>
+              <a:t>Incessant Learning</a:t>
             </a:r>
           </a:p>
           <a:p>
@@ -21425,7 +21555,7 @@
 </p:sld>
 </file>
 
-<file path=ppt/slides/slide16.xml><?xml version="1.0" encoding="utf-8"?>
+<file path=ppt/slides/slide17.xml><?xml version="1.0" encoding="utf-8"?>
 <p:sld xmlns:a="http://schemas.openxmlformats.org/drawingml/2006/main" xmlns:r="http://schemas.openxmlformats.org/officeDocument/2006/relationships" xmlns:p="http://schemas.openxmlformats.org/presentationml/2006/main">
   <p:cSld>
     <p:spTree>
@@ -22096,6 +22226,161 @@
 </file>
 
 <file path=ppt/slides/slide5.xml><?xml version="1.0" encoding="utf-8"?>
+<p:sld xmlns:a="http://schemas.openxmlformats.org/drawingml/2006/main" xmlns:r="http://schemas.openxmlformats.org/officeDocument/2006/relationships" xmlns:p="http://schemas.openxmlformats.org/presentationml/2006/main">
+  <p:cSld>
+    <p:spTree>
+      <p:nvGrpSpPr>
+        <p:cNvPr id="1" name=""/>
+        <p:cNvGrpSpPr/>
+        <p:nvPr/>
+      </p:nvGrpSpPr>
+      <p:grpSpPr>
+        <a:xfrm>
+          <a:off x="0" y="0"/>
+          <a:ext cx="0" cy="0"/>
+          <a:chOff x="0" y="0"/>
+          <a:chExt cx="0" cy="0"/>
+        </a:xfrm>
+      </p:grpSpPr>
+      <p:sp>
+        <p:nvSpPr>
+          <p:cNvPr id="2" name="Title 1"/>
+          <p:cNvSpPr>
+            <a:spLocks noGrp="1"/>
+          </p:cNvSpPr>
+          <p:nvPr>
+            <p:ph type="ctrTitle"/>
+          </p:nvPr>
+        </p:nvSpPr>
+        <p:spPr>
+          <a:xfrm>
+            <a:off x="605574" y="438151"/>
+            <a:ext cx="6252425" cy="838200"/>
+          </a:xfrm>
+        </p:spPr>
+        <p:txBody>
+          <a:bodyPr/>
+          <a:lstStyle/>
+          <a:p>
+            <a:r>
+              <a:rPr lang="en-US" dirty="0" smtClean="0"/>
+              <a:t>Feasibility Analysis</a:t>
+            </a:r>
+            <a:endParaRPr lang="en-US" dirty="0"/>
+          </a:p>
+        </p:txBody>
+      </p:sp>
+      <p:sp>
+        <p:nvSpPr>
+          <p:cNvPr id="3" name="Subtitle 2"/>
+          <p:cNvSpPr>
+            <a:spLocks noGrp="1"/>
+          </p:cNvSpPr>
+          <p:nvPr>
+            <p:ph type="subTitle" idx="1"/>
+          </p:nvPr>
+        </p:nvSpPr>
+        <p:spPr>
+          <a:xfrm>
+            <a:off x="605574" y="1276350"/>
+            <a:ext cx="8309825" cy="3429000"/>
+          </a:xfrm>
+        </p:spPr>
+        <p:txBody>
+          <a:bodyPr/>
+          <a:lstStyle/>
+          <a:p>
+            <a:r>
+              <a:rPr lang="en-US" sz="1200" dirty="0" smtClean="0"/>
+              <a:t>Due to covid19 pandemic situation the governments across the world   looking for ways to shift education to online platforms due to the pandemic situation. As a result of this, many platforms have emerged which provide interaction between teachers and students. Though online teaching culture is gaining widespread attention, they are not infallible and the government is giving out surveys to validate the effectiveness of these tools. </a:t>
+            </a:r>
+            <a:r>
+              <a:rPr lang="en-US" sz="1200" dirty="0" err="1" smtClean="0"/>
+              <a:t>EDtech</a:t>
+            </a:r>
+            <a:r>
+              <a:rPr lang="en-US" sz="1200" dirty="0" smtClean="0"/>
+              <a:t>  possesses the capability of coupling with any of these platforms and providing an accurate analysis of student/teacher engagement.</a:t>
+            </a:r>
+          </a:p>
+          <a:p>
+            <a:endParaRPr lang="en-US" sz="1200" dirty="0" smtClean="0"/>
+          </a:p>
+          <a:p>
+            <a:r>
+              <a:rPr lang="en-US" sz="1200" dirty="0" smtClean="0"/>
+              <a:t>education administration: It becomes difficult for the administration like schools, </a:t>
+            </a:r>
+            <a:r>
+              <a:rPr lang="en-US" sz="1200" dirty="0" err="1" smtClean="0"/>
+              <a:t>colleges,etc</a:t>
+            </a:r>
+            <a:r>
+              <a:rPr lang="en-US" sz="1200" dirty="0" smtClean="0"/>
+              <a:t> to have an unbiased feedback of the students for the faculty. This leads to incompetence, posing threat to the quality of education. Our product is capable of taking the attentiveness statistics of the whole class and using mathematical calculations to </a:t>
+            </a:r>
+            <a:r>
+              <a:rPr lang="en-US" sz="1200" dirty="0" err="1" smtClean="0"/>
+              <a:t>analyse</a:t>
+            </a:r>
+            <a:r>
+              <a:rPr lang="en-US" sz="1200" dirty="0" smtClean="0"/>
+              <a:t> the effectiveness of a faculty. For example, let’s say we calculate the average attentiveness for the whole class and if it is low, we can conclude that either the faculty is not putting enough effort or his/her pedagogy is a bit screwed. Accordingly, further actions can be taken.</a:t>
+            </a:r>
+          </a:p>
+          <a:p>
+            <a:endParaRPr lang="en-US" sz="1200" dirty="0" smtClean="0"/>
+          </a:p>
+          <a:p>
+            <a:r>
+              <a:rPr lang="en-US" sz="1200" dirty="0" smtClean="0"/>
+              <a:t>Teaching faculty: Virtually, it becomes impossible for the faculty members to track every student. Although it doesn’t affect other students’ performance, it certainly results in casual </a:t>
+            </a:r>
+            <a:r>
+              <a:rPr lang="en-US" sz="1200" dirty="0" err="1" smtClean="0"/>
+              <a:t>behaviour</a:t>
+            </a:r>
+            <a:r>
+              <a:rPr lang="en-US" sz="1200" dirty="0" smtClean="0"/>
+              <a:t> and short attention span of students. Using this tool faculty members can see reports of individual students and their performance during the lecture. Consistently poor performing students can be identified and necessary actions maybe taken.</a:t>
+            </a:r>
+          </a:p>
+          <a:p>
+            <a:endParaRPr lang="en-US" sz="1200" dirty="0" smtClean="0"/>
+          </a:p>
+          <a:p>
+            <a:endParaRPr lang="en-US" sz="1200" dirty="0"/>
+          </a:p>
+        </p:txBody>
+      </p:sp>
+      <p:sp>
+        <p:nvSpPr>
+          <p:cNvPr id="4" name="Title 3"/>
+          <p:cNvSpPr>
+            <a:spLocks noGrp="1"/>
+          </p:cNvSpPr>
+          <p:nvPr>
+            <p:ph type="title" idx="2"/>
+          </p:nvPr>
+        </p:nvSpPr>
+        <p:spPr/>
+        <p:txBody>
+          <a:bodyPr/>
+          <a:lstStyle/>
+          <a:p>
+            <a:endParaRPr lang="en-US" dirty="0"/>
+          </a:p>
+        </p:txBody>
+      </p:sp>
+    </p:spTree>
+  </p:cSld>
+  <p:clrMapOvr>
+    <a:masterClrMapping/>
+  </p:clrMapOvr>
+</p:sld>
+</file>
+
+<file path=ppt/slides/slide6.xml><?xml version="1.0" encoding="utf-8"?>
 <p:sld xmlns:a="http://schemas.openxmlformats.org/drawingml/2006/main" xmlns:r="http://schemas.openxmlformats.org/officeDocument/2006/relationships" xmlns:p="http://schemas.openxmlformats.org/presentationml/2006/main">
   <p:cSld>
     <p:spTree>
@@ -22308,7 +22593,7 @@
 </p:sld>
 </file>
 
-<file path=ppt/slides/slide6.xml><?xml version="1.0" encoding="utf-8"?>
+<file path=ppt/slides/slide7.xml><?xml version="1.0" encoding="utf-8"?>
 <p:sld xmlns:a="http://schemas.openxmlformats.org/drawingml/2006/main" xmlns:r="http://schemas.openxmlformats.org/officeDocument/2006/relationships" xmlns:p="http://schemas.openxmlformats.org/presentationml/2006/main">
   <p:cSld>
     <p:spTree>
@@ -22461,7 +22746,7 @@
 </p:sld>
 </file>
 
-<file path=ppt/slides/slide7.xml><?xml version="1.0" encoding="utf-8"?>
+<file path=ppt/slides/slide8.xml><?xml version="1.0" encoding="utf-8"?>
 <p:sld xmlns:a="http://schemas.openxmlformats.org/drawingml/2006/main" xmlns:r="http://schemas.openxmlformats.org/officeDocument/2006/relationships" xmlns:p="http://schemas.openxmlformats.org/presentationml/2006/main">
   <p:cSld>
     <p:spTree>
@@ -29393,7 +29678,7 @@
 </p:sld>
 </file>
 
-<file path=ppt/slides/slide8.xml><?xml version="1.0" encoding="utf-8"?>
+<file path=ppt/slides/slide9.xml><?xml version="1.0" encoding="utf-8"?>
 <p:sld xmlns:a="http://schemas.openxmlformats.org/drawingml/2006/main" xmlns:r="http://schemas.openxmlformats.org/officeDocument/2006/relationships" xmlns:p="http://schemas.openxmlformats.org/presentationml/2006/main">
   <p:cSld>
     <p:spTree>
@@ -30842,155 +31127,6 @@
 </p:sld>
 </file>
 
-<file path=ppt/slides/slide9.xml><?xml version="1.0" encoding="utf-8"?>
-<p:sld xmlns:a="http://schemas.openxmlformats.org/drawingml/2006/main" xmlns:r="http://schemas.openxmlformats.org/officeDocument/2006/relationships" xmlns:p="http://schemas.openxmlformats.org/presentationml/2006/main">
-  <p:cSld>
-    <p:spTree>
-      <p:nvGrpSpPr>
-        <p:cNvPr id="1" name="Shape 1108"/>
-        <p:cNvGrpSpPr/>
-        <p:nvPr/>
-      </p:nvGrpSpPr>
-      <p:grpSpPr>
-        <a:xfrm>
-          <a:off x="0" y="0"/>
-          <a:ext cx="0" cy="0"/>
-          <a:chOff x="0" y="0"/>
-          <a:chExt cx="0" cy="0"/>
-        </a:xfrm>
-      </p:grpSpPr>
-      <p:sp>
-        <p:nvSpPr>
-          <p:cNvPr id="1109" name="Google Shape;1109;p29"/>
-          <p:cNvSpPr txBox="1">
-            <a:spLocks noGrp="1"/>
-          </p:cNvSpPr>
-          <p:nvPr>
-            <p:ph type="ctrTitle"/>
-          </p:nvPr>
-        </p:nvSpPr>
-        <p:spPr>
-          <a:prstGeom prst="rect">
-            <a:avLst/>
-          </a:prstGeom>
-        </p:spPr>
-        <p:txBody>
-          <a:bodyPr spcFirstLastPara="1" wrap="square" lIns="91425" tIns="91425" rIns="91425" bIns="91425" anchor="b" anchorCtr="0">
-            <a:noAutofit/>
-          </a:bodyPr>
-          <a:lstStyle/>
-          <a:p>
-            <a:pPr marL="0" lvl="0" indent="0" algn="l" rtl="0">
-              <a:spcBef>
-                <a:spcPts val="0"/>
-              </a:spcBef>
-              <a:spcAft>
-                <a:spcPts val="0"/>
-              </a:spcAft>
-              <a:buNone/>
-            </a:pPr>
-            <a:r>
-              <a:rPr lang="en"/>
-              <a:t>Working</a:t>
-            </a:r>
-            <a:endParaRPr/>
-          </a:p>
-        </p:txBody>
-      </p:sp>
-      <p:sp>
-        <p:nvSpPr>
-          <p:cNvPr id="1110" name="Google Shape;1110;p29"/>
-          <p:cNvSpPr txBox="1">
-            <a:spLocks noGrp="1"/>
-          </p:cNvSpPr>
-          <p:nvPr>
-            <p:ph type="subTitle" idx="1"/>
-          </p:nvPr>
-        </p:nvSpPr>
-        <p:spPr>
-          <a:prstGeom prst="rect">
-            <a:avLst/>
-          </a:prstGeom>
-        </p:spPr>
-        <p:txBody>
-          <a:bodyPr spcFirstLastPara="1" wrap="square" lIns="91425" tIns="91425" rIns="91425" bIns="91425" anchor="t" anchorCtr="0">
-            <a:noAutofit/>
-          </a:bodyPr>
-          <a:lstStyle/>
-          <a:p>
-            <a:pPr marL="0" lvl="0" indent="0" algn="l" rtl="0">
-              <a:spcBef>
-                <a:spcPts val="0"/>
-              </a:spcBef>
-              <a:spcAft>
-                <a:spcPts val="0"/>
-              </a:spcAft>
-              <a:buNone/>
-            </a:pPr>
-            <a:r>
-              <a:rPr lang="en">
-                <a:latin typeface="Lexend Deca"/>
-                <a:ea typeface="Lexend Deca"/>
-                <a:cs typeface="Lexend Deca"/>
-                <a:sym typeface="Lexend Deca"/>
-              </a:rPr>
-              <a:t>Sneak peek to behind the scenes</a:t>
-            </a:r>
-            <a:endParaRPr>
-              <a:latin typeface="Lexend Deca"/>
-              <a:ea typeface="Lexend Deca"/>
-              <a:cs typeface="Lexend Deca"/>
-              <a:sym typeface="Lexend Deca"/>
-            </a:endParaRPr>
-          </a:p>
-        </p:txBody>
-      </p:sp>
-      <p:sp>
-        <p:nvSpPr>
-          <p:cNvPr id="1111" name="Google Shape;1111;p29"/>
-          <p:cNvSpPr txBox="1">
-            <a:spLocks noGrp="1"/>
-          </p:cNvSpPr>
-          <p:nvPr>
-            <p:ph type="title" idx="2"/>
-          </p:nvPr>
-        </p:nvSpPr>
-        <p:spPr>
-          <a:prstGeom prst="rect">
-            <a:avLst/>
-          </a:prstGeom>
-        </p:spPr>
-        <p:txBody>
-          <a:bodyPr spcFirstLastPara="1" wrap="square" lIns="91425" tIns="91425" rIns="91425" bIns="91425" anchor="ctr" anchorCtr="0">
-            <a:noAutofit/>
-          </a:bodyPr>
-          <a:lstStyle/>
-          <a:p>
-            <a:pPr marL="0" lvl="0" indent="0" algn="l" rtl="0">
-              <a:spcBef>
-                <a:spcPts val="0"/>
-              </a:spcBef>
-              <a:spcAft>
-                <a:spcPts val="0"/>
-              </a:spcAft>
-              <a:buNone/>
-            </a:pPr>
-            <a:r>
-              <a:rPr lang="en"/>
-              <a:t>03</a:t>
-            </a:r>
-            <a:endParaRPr/>
-          </a:p>
-        </p:txBody>
-      </p:sp>
-    </p:spTree>
-  </p:cSld>
-  <p:clrMapOvr>
-    <a:masterClrMapping/>
-  </p:clrMapOvr>
-</p:sld>
-</file>
-
 <file path=ppt/theme/theme1.xml><?xml version="1.0" encoding="utf-8"?>
 <a:theme xmlns:a="http://schemas.openxmlformats.org/drawingml/2006/main" name="Flow">
   <a:themeElements>
